--- a/BGPSquelch.pptx
+++ b/BGPSquelch.pptx
@@ -5985,11 +5985,7 @@
             </a:r>
             <a:r>
               <a:rPr lang="en-AU" smtClean="0"/>
-              <a:t>, </a:t>
-            </a:r>
-            <a:r>
-              <a:rPr lang="en-AU" smtClean="0"/>
-              <a:t>Adam BINNEWEG </a:t>
+              <a:t>, Adam BINNEWEG </a:t>
             </a:r>
             <a:r>
               <a:rPr lang="en-AU" dirty="0" smtClean="0"/>
@@ -6274,11 +6270,7 @@
             </a:r>
             <a:r>
               <a:rPr lang="en-AU" sz="3600" b="1" dirty="0" smtClean="0"/>
-              <a:t> </a:t>
-            </a:r>
-            <a:r>
-              <a:rPr lang="en-AU" sz="3600" b="1" dirty="0" smtClean="0"/>
-              <a:t>life!</a:t>
+              <a:t> life!</a:t>
             </a:r>
           </a:p>
           <a:p>
@@ -6292,13 +6284,8 @@
             </a:r>
             <a:r>
               <a:rPr lang="en-AU" dirty="0" smtClean="0"/>
-              <a:t> mirror than the public </a:t>
-            </a:r>
-            <a:r>
-              <a:rPr lang="en-AU" dirty="0" smtClean="0"/>
-              <a:t>WHOIS</a:t>
-            </a:r>
-            <a:endParaRPr lang="en-AU" dirty="0" smtClean="0"/>
+              <a:t> mirror than the public WHOIS</a:t>
+            </a:r>
           </a:p>
           <a:p>
             <a:r>
@@ -6460,11 +6447,7 @@
           <a:p>
             <a:r>
               <a:rPr lang="en-AU" dirty="0" smtClean="0"/>
-              <a:t>Learnt </a:t>
-            </a:r>
-            <a:r>
-              <a:rPr lang="en-AU" dirty="0" smtClean="0"/>
-              <a:t>heaps</a:t>
+              <a:t>Learnt heaps</a:t>
             </a:r>
           </a:p>
           <a:p>
@@ -6900,7 +6883,7 @@
         </p:spPr>
         <p:txBody>
           <a:bodyPr>
-            <a:normAutofit fontScale="92500" lnSpcReduction="20000"/>
+            <a:normAutofit/>
           </a:bodyPr>
           <a:lstStyle/>
           <a:p>
@@ -7056,7 +7039,14 @@
                 <a:latin typeface="Courier New" panose="02070309020205020404" pitchFamily="49" charset="0"/>
                 <a:cs typeface="Courier New" panose="02070309020205020404" pitchFamily="49" charset="0"/>
               </a:rPr>
-              <a:t>1.9.12.0, 24, 24, 65037</a:t>
+              <a:t>1.9.12.0, 24, 24, </a:t>
+            </a:r>
+            <a:r>
+              <a:rPr lang="en-US" dirty="0" smtClean="0">
+                <a:latin typeface="Courier New" panose="02070309020205020404" pitchFamily="49" charset="0"/>
+                <a:cs typeface="Courier New" panose="02070309020205020404" pitchFamily="49" charset="0"/>
+              </a:rPr>
+              <a:t>65037</a:t>
             </a:r>
           </a:p>
           <a:p>
@@ -7068,57 +7058,86 @@
                 <a:latin typeface="Courier New" panose="02070309020205020404" pitchFamily="49" charset="0"/>
                 <a:cs typeface="Courier New" panose="02070309020205020404" pitchFamily="49" charset="0"/>
               </a:rPr>
-              <a:t>1.9.31.0, 24, 24, 65077</a:t>
-            </a:r>
-          </a:p>
-          <a:p>
-            <a:pPr marL="0" indent="0">
-              <a:buNone/>
-            </a:pPr>
+              <a:t>./</a:t>
+            </a:r>
+            <a:r>
+              <a:rPr lang="en-US" dirty="0" err="1">
+                <a:latin typeface="Courier New" panose="02070309020205020404" pitchFamily="49" charset="0"/>
+                <a:cs typeface="Courier New" panose="02070309020205020404" pitchFamily="49" charset="0"/>
+              </a:rPr>
+              <a:t>bgpscanner</a:t>
+            </a:r>
             <a:r>
               <a:rPr lang="en-US" dirty="0">
                 <a:latin typeface="Courier New" panose="02070309020205020404" pitchFamily="49" charset="0"/>
                 <a:cs typeface="Courier New" panose="02070309020205020404" pitchFamily="49" charset="0"/>
               </a:rPr>
-              <a:t>1.9.23.0, 24, 24, 65120</a:t>
-            </a:r>
-          </a:p>
-          <a:p>
-            <a:pPr marL="0" indent="0">
-              <a:buNone/>
-            </a:pPr>
+              <a:t> ~/</a:t>
+            </a:r>
+            <a:r>
+              <a:rPr lang="en-US" dirty="0" err="1" smtClean="0">
+                <a:latin typeface="Courier New" panose="02070309020205020404" pitchFamily="49" charset="0"/>
+                <a:cs typeface="Courier New" panose="02070309020205020404" pitchFamily="49" charset="0"/>
+              </a:rPr>
+              <a:t>MRTdump</a:t>
+            </a:r>
+            <a:r>
+              <a:rPr lang="en-US" dirty="0" smtClean="0">
+                <a:latin typeface="Courier New" panose="02070309020205020404" pitchFamily="49" charset="0"/>
+                <a:cs typeface="Courier New" panose="02070309020205020404" pitchFamily="49" charset="0"/>
+              </a:rPr>
+              <a:t>/latest-</a:t>
+            </a:r>
+            <a:r>
+              <a:rPr lang="en-US" dirty="0" err="1" smtClean="0">
+                <a:latin typeface="Courier New" panose="02070309020205020404" pitchFamily="49" charset="0"/>
+                <a:cs typeface="Courier New" panose="02070309020205020404" pitchFamily="49" charset="0"/>
+              </a:rPr>
+              <a:t>bview</a:t>
+            </a:r>
+            <a:r>
+              <a:rPr lang="en-US" dirty="0" smtClean="0">
+                <a:latin typeface="Courier New" panose="02070309020205020404" pitchFamily="49" charset="0"/>
+                <a:cs typeface="Courier New" panose="02070309020205020404" pitchFamily="49" charset="0"/>
+              </a:rPr>
+              <a:t> </a:t>
+            </a:r>
             <a:r>
               <a:rPr lang="en-US" dirty="0">
                 <a:latin typeface="Courier New" panose="02070309020205020404" pitchFamily="49" charset="0"/>
                 <a:cs typeface="Courier New" panose="02070309020205020404" pitchFamily="49" charset="0"/>
               </a:rPr>
-              <a:t>1.9.65.0, 24, 24, 24514</a:t>
-            </a:r>
-          </a:p>
-          <a:p>
-            <a:pPr marL="0" indent="0">
-              <a:buNone/>
-            </a:pPr>
+              <a:t>| cut -d"|" -f 2,3 | </a:t>
+            </a:r>
+            <a:r>
+              <a:rPr lang="en-US" dirty="0" err="1">
+                <a:latin typeface="Courier New" panose="02070309020205020404" pitchFamily="49" charset="0"/>
+                <a:cs typeface="Courier New" panose="02070309020205020404" pitchFamily="49" charset="0"/>
+              </a:rPr>
+              <a:t>sed</a:t>
+            </a:r>
             <a:r>
               <a:rPr lang="en-US" dirty="0">
                 <a:latin typeface="Courier New" panose="02070309020205020404" pitchFamily="49" charset="0"/>
                 <a:cs typeface="Courier New" panose="02070309020205020404" pitchFamily="49" charset="0"/>
               </a:rPr>
-              <a:t>1.9.21.0, 24, 24, 24514</a:t>
-            </a:r>
-          </a:p>
-          <a:p>
-            <a:pPr marL="0" indent="0">
-              <a:buNone/>
-            </a:pPr>
+              <a:t> -e 's/^\([0-9.\/]\+\)|.* \([0-9]\+\)$/\1 \2/p' | sort -u &gt; /</a:t>
+            </a:r>
+            <a:r>
+              <a:rPr lang="en-US" dirty="0" err="1">
+                <a:latin typeface="Courier New" panose="02070309020205020404" pitchFamily="49" charset="0"/>
+                <a:cs typeface="Courier New" panose="02070309020205020404" pitchFamily="49" charset="0"/>
+              </a:rPr>
+              <a:t>tmp</a:t>
+            </a:r>
             <a:r>
               <a:rPr lang="en-US" dirty="0">
                 <a:latin typeface="Courier New" panose="02070309020205020404" pitchFamily="49" charset="0"/>
                 <a:cs typeface="Courier New" panose="02070309020205020404" pitchFamily="49" charset="0"/>
               </a:rPr>
-              <a:t>1.9.0.0, 16, 24, 4788</a:t>
-            </a:r>
-            <a:endParaRPr lang="en-AU" dirty="0">
+              <a:t>/sorted</a:t>
+            </a:r>
+            <a:endParaRPr lang="en-US" dirty="0">
               <a:latin typeface="Courier New" panose="02070309020205020404" pitchFamily="49" charset="0"/>
               <a:cs typeface="Courier New" panose="02070309020205020404" pitchFamily="49" charset="0"/>
             </a:endParaRPr>
